--- a/Documentação/Slide Final (Incompleto).pptx
+++ b/Documentação/Slide Final (Incompleto).pptx
@@ -6867,7 +6867,7 @@
         </p:nvSpPr>
         <p:spPr>
           <a:xfrm>
-            <a:off x="1770097" y="2444909"/>
+            <a:off x="1735359" y="2444909"/>
             <a:ext cx="2472965" cy="873630"/>
           </a:xfrm>
           <a:prstGeom prst="rect">
